--- a/Sprint2/Group 10 Sprint_2.pptx
+++ b/Sprint2/Group 10 Sprint_2.pptx
@@ -5,16 +5,18 @@
     <p:sldMasterId id="2147483648" r:id="rId1"/>
   </p:sldMasterIdLst>
   <p:notesMasterIdLst>
-    <p:notesMasterId r:id="rId9"/>
+    <p:notesMasterId r:id="rId11"/>
   </p:notesMasterIdLst>
   <p:sldIdLst>
     <p:sldId id="256" r:id="rId2"/>
     <p:sldId id="257" r:id="rId3"/>
     <p:sldId id="258" r:id="rId4"/>
     <p:sldId id="259" r:id="rId5"/>
-    <p:sldId id="260" r:id="rId6"/>
-    <p:sldId id="261" r:id="rId7"/>
-    <p:sldId id="262" r:id="rId8"/>
+    <p:sldId id="263" r:id="rId6"/>
+    <p:sldId id="260" r:id="rId7"/>
+    <p:sldId id="261" r:id="rId8"/>
+    <p:sldId id="264" r:id="rId9"/>
+    <p:sldId id="266" r:id="rId10"/>
   </p:sldIdLst>
   <p:sldSz cx="12192000" cy="6858000"/>
   <p:notesSz cx="6858000" cy="9144000"/>
@@ -5847,7 +5849,7 @@
           </a:ln>
           <a:extLst>
             <a:ext uri="{C572A759-6A51-4108-AA02-DFA0A04FC94B}">
-              <ma14:wrappingTextBoxFlag xmlns:ma14="http://schemas.microsoft.com/office/mac/drawingml/2011/main" xmlns:a14="http://schemas.microsoft.com/office/drawing/2010/main" xmlns:m="http://schemas.openxmlformats.org/officeDocument/2006/math" xmlns="" val="1"/>
+              <ma14:wrappingTextBoxFlag xmlns="" xmlns:m="http://schemas.openxmlformats.org/officeDocument/2006/math" xmlns:a14="http://schemas.microsoft.com/office/drawing/2010/main" xmlns:ma14="http://schemas.microsoft.com/office/mac/drawingml/2011/main" val="1"/>
             </a:ext>
           </a:extLst>
         </p:spPr>
@@ -5886,7 +5888,7 @@
           </a:ln>
           <a:extLst>
             <a:ext uri="{C572A759-6A51-4108-AA02-DFA0A04FC94B}">
-              <ma14:wrappingTextBoxFlag xmlns:ma14="http://schemas.microsoft.com/office/mac/drawingml/2011/main" xmlns:a14="http://schemas.microsoft.com/office/drawing/2010/main" xmlns:m="http://schemas.openxmlformats.org/officeDocument/2006/math" xmlns="" val="1"/>
+              <ma14:wrappingTextBoxFlag xmlns="" xmlns:m="http://schemas.openxmlformats.org/officeDocument/2006/math" xmlns:a14="http://schemas.microsoft.com/office/drawing/2010/main" xmlns:ma14="http://schemas.microsoft.com/office/mac/drawingml/2011/main" val="1"/>
             </a:ext>
           </a:extLst>
         </p:spPr>
@@ -6955,7 +6957,7 @@
         </p:spPr>
         <p:txBody>
           <a:bodyPr>
-            <a:normAutofit fontScale="92500" lnSpcReduction="20000"/>
+            <a:normAutofit lnSpcReduction="10000"/>
           </a:bodyPr>
           <a:lstStyle/>
           <a:p>
@@ -6997,21 +6999,21 @@
             <a:pPr lvl="0"/>
             <a:r>
               <a:rPr lang="en-GB" dirty="0"/>
-              <a:t>Update Admins JSP – for assigning a driver to demands, registering new customers and drivers, viewing all completed jobs</a:t>
+              <a:t>Update Admins JSPs for their view and adding new drivers</a:t>
             </a:r>
           </a:p>
           <a:p>
             <a:pPr lvl="0"/>
             <a:r>
               <a:rPr lang="en-GB" dirty="0"/>
-              <a:t>Update Customers JSP – for viewing invoice for journey, requesting a taxi, inputting needed details</a:t>
+              <a:t>Update Customers JSPs - for viewing, requesting a taxi, inputting needed details</a:t>
             </a:r>
           </a:p>
           <a:p>
             <a:pPr lvl="0"/>
             <a:r>
               <a:rPr lang="en-GB" dirty="0"/>
-              <a:t>Update Drivers JSP – for viewing job details and updating driver’s status</a:t>
+              <a:t>Update Drivers JSP- for viewing completed jobs and viewing driver details.</a:t>
             </a:r>
           </a:p>
           <a:p>
@@ -7158,17 +7160,43 @@
           <a:lstStyle/>
           <a:p>
             <a:r>
-              <a:rPr dirty="0"/>
-              <a:t>Planning and Scheduling</a:t>
-            </a:r>
-            <a:r>
               <a:rPr lang="en-GB" dirty="0"/>
-              <a:t> (Gant Chart)</a:t>
+              <a:t>Gant Chart</a:t>
             </a:r>
             <a:endParaRPr dirty="0"/>
           </a:p>
         </p:txBody>
       </p:sp>
+      <p:pic>
+        <p:nvPicPr>
+          <p:cNvPr id="2" name="Picture 1">
+            <a:extLst>
+              <a:ext uri="{FF2B5EF4-FFF2-40B4-BE49-F238E27FC236}">
+                <a16:creationId xmlns:a16="http://schemas.microsoft.com/office/drawing/2014/main" id="{114DE8C6-ABDF-0E48-B4C9-431E9A0AEEE1}"/>
+              </a:ext>
+            </a:extLst>
+          </p:cNvPr>
+          <p:cNvPicPr>
+            <a:picLocks noChangeAspect="1"/>
+          </p:cNvPicPr>
+          <p:nvPr/>
+        </p:nvPicPr>
+        <p:blipFill>
+          <a:blip r:embed="rId2"/>
+          <a:stretch>
+            <a:fillRect/>
+          </a:stretch>
+        </p:blipFill>
+        <p:spPr>
+          <a:xfrm>
+            <a:off x="2298357" y="1050022"/>
+            <a:ext cx="7822109" cy="5672053"/>
+          </a:xfrm>
+          <a:prstGeom prst="rect">
+            <a:avLst/>
+          </a:prstGeom>
+        </p:spPr>
+      </p:pic>
     </p:spTree>
   </p:cSld>
   <p:clrMapOvr>
@@ -7179,6 +7207,95 @@
 </file>
 
 <file path=ppt/slides/slide5.xml><?xml version="1.0" encoding="utf-8"?>
+<p:sld xmlns:a="http://schemas.openxmlformats.org/drawingml/2006/main" xmlns:r="http://schemas.openxmlformats.org/officeDocument/2006/relationships" xmlns:p="http://schemas.openxmlformats.org/presentationml/2006/main">
+  <p:cSld>
+    <p:spTree>
+      <p:nvGrpSpPr>
+        <p:cNvPr id="1" name=""/>
+        <p:cNvGrpSpPr/>
+        <p:nvPr/>
+      </p:nvGrpSpPr>
+      <p:grpSpPr>
+        <a:xfrm>
+          <a:off x="0" y="0"/>
+          <a:ext cx="0" cy="0"/>
+          <a:chOff x="0" y="0"/>
+          <a:chExt cx="0" cy="0"/>
+        </a:xfrm>
+      </p:grpSpPr>
+      <p:sp>
+        <p:nvSpPr>
+          <p:cNvPr id="2" name="Title 1">
+            <a:extLst>
+              <a:ext uri="{FF2B5EF4-FFF2-40B4-BE49-F238E27FC236}">
+                <a16:creationId xmlns:a16="http://schemas.microsoft.com/office/drawing/2014/main" id="{60361ED9-2829-E14A-B6B8-21154D0D1CDA}"/>
+              </a:ext>
+            </a:extLst>
+          </p:cNvPr>
+          <p:cNvSpPr>
+            <a:spLocks noGrp="1"/>
+          </p:cNvSpPr>
+          <p:nvPr>
+            <p:ph type="title"/>
+          </p:nvPr>
+        </p:nvSpPr>
+        <p:spPr/>
+        <p:txBody>
+          <a:bodyPr/>
+          <a:lstStyle/>
+          <a:p>
+            <a:r>
+              <a:rPr lang="en-US" dirty="0"/>
+              <a:t>Backend Architecture design</a:t>
+            </a:r>
+          </a:p>
+        </p:txBody>
+      </p:sp>
+      <p:pic>
+        <p:nvPicPr>
+          <p:cNvPr id="5" name="Picture 4">
+            <a:extLst>
+              <a:ext uri="{FF2B5EF4-FFF2-40B4-BE49-F238E27FC236}">
+                <a16:creationId xmlns:a16="http://schemas.microsoft.com/office/drawing/2014/main" id="{5BF2FE92-47CC-4A45-AEF8-43DEC7EFD787}"/>
+              </a:ext>
+            </a:extLst>
+          </p:cNvPr>
+          <p:cNvPicPr>
+            <a:picLocks noChangeAspect="1"/>
+          </p:cNvPicPr>
+          <p:nvPr/>
+        </p:nvPicPr>
+        <p:blipFill>
+          <a:blip r:embed="rId2"/>
+          <a:stretch>
+            <a:fillRect/>
+          </a:stretch>
+        </p:blipFill>
+        <p:spPr>
+          <a:xfrm>
+            <a:off x="2026508" y="1128450"/>
+            <a:ext cx="7614508" cy="5379350"/>
+          </a:xfrm>
+          <a:prstGeom prst="rect">
+            <a:avLst/>
+          </a:prstGeom>
+        </p:spPr>
+      </p:pic>
+    </p:spTree>
+    <p:extLst>
+      <p:ext uri="{BB962C8B-B14F-4D97-AF65-F5344CB8AC3E}">
+        <p14:creationId xmlns:p14="http://schemas.microsoft.com/office/powerpoint/2010/main" val="3900722021"/>
+      </p:ext>
+    </p:extLst>
+  </p:cSld>
+  <p:clrMapOvr>
+    <a:masterClrMapping/>
+  </p:clrMapOvr>
+  <p:transition spd="med"/>
+</p:sld>
+</file>
+
+<file path=ppt/slides/slide6.xml><?xml version="1.0" encoding="utf-8"?>
 <p:sld xmlns:a="http://schemas.openxmlformats.org/drawingml/2006/main" xmlns:r="http://schemas.openxmlformats.org/officeDocument/2006/relationships" xmlns:p="http://schemas.openxmlformats.org/presentationml/2006/main">
   <p:cSld>
     <p:spTree>
@@ -7315,7 +7432,7 @@
 </p:sld>
 </file>
 
-<file path=ppt/slides/slide6.xml><?xml version="1.0" encoding="utf-8"?>
+<file path=ppt/slides/slide7.xml><?xml version="1.0" encoding="utf-8"?>
 <p:sld xmlns:a="http://schemas.openxmlformats.org/drawingml/2006/main" xmlns:r="http://schemas.openxmlformats.org/officeDocument/2006/relationships" xmlns:p="http://schemas.openxmlformats.org/presentationml/2006/main">
   <p:cSld>
     <p:spTree>
@@ -7363,6 +7480,93 @@
           </a:p>
         </p:txBody>
       </p:sp>
+      <p:sp>
+        <p:nvSpPr>
+          <p:cNvPr id="3" name="Content Placeholder 2">
+            <a:extLst>
+              <a:ext uri="{FF2B5EF4-FFF2-40B4-BE49-F238E27FC236}">
+                <a16:creationId xmlns:a16="http://schemas.microsoft.com/office/drawing/2014/main" id="{2FCDB024-2884-4A4D-AB51-A2DCD70516BA}"/>
+              </a:ext>
+            </a:extLst>
+          </p:cNvPr>
+          <p:cNvSpPr txBox="1">
+            <a:spLocks noGrp="1"/>
+          </p:cNvSpPr>
+          <p:nvPr>
+            <p:ph type="body" idx="1"/>
+          </p:nvPr>
+        </p:nvSpPr>
+        <p:spPr>
+          <a:xfrm>
+            <a:off x="1251677" y="1632203"/>
+            <a:ext cx="10178324" cy="3593593"/>
+          </a:xfrm>
+          <a:prstGeom prst="rect">
+            <a:avLst/>
+          </a:prstGeom>
+        </p:spPr>
+        <p:txBody>
+          <a:bodyPr>
+            <a:normAutofit/>
+          </a:bodyPr>
+          <a:lstStyle/>
+          <a:p>
+            <a:pPr marL="0" lvl="0" indent="0">
+              <a:buNone/>
+            </a:pPr>
+            <a:endParaRPr lang="en-GB" dirty="0"/>
+          </a:p>
+          <a:p>
+            <a:pPr lvl="0"/>
+            <a:r>
+              <a:rPr lang="en-GB" dirty="0"/>
+              <a:t>Discuss progress with project</a:t>
+            </a:r>
+          </a:p>
+          <a:p>
+            <a:pPr lvl="0"/>
+            <a:r>
+              <a:rPr lang="en-GB" dirty="0"/>
+              <a:t>Update Gantt chart</a:t>
+            </a:r>
+          </a:p>
+          <a:p>
+            <a:pPr lvl="0"/>
+            <a:r>
+              <a:rPr lang="en-GB" dirty="0"/>
+              <a:t>Fix issues with </a:t>
+            </a:r>
+            <a:r>
+              <a:rPr lang="en-GB" dirty="0" err="1"/>
+              <a:t>netbeans</a:t>
+            </a:r>
+            <a:r>
+              <a:rPr lang="en-GB" dirty="0"/>
+              <a:t>/</a:t>
+            </a:r>
+            <a:r>
+              <a:rPr lang="en-GB" dirty="0" err="1"/>
+              <a:t>github</a:t>
+            </a:r>
+            <a:endParaRPr lang="en-GB" dirty="0"/>
+          </a:p>
+          <a:p>
+            <a:pPr lvl="0"/>
+            <a:r>
+              <a:rPr lang="en-GB" dirty="0"/>
+              <a:t>Shared a Pizza.</a:t>
+            </a:r>
+          </a:p>
+          <a:p>
+            <a:pPr lvl="0"/>
+            <a:endParaRPr lang="en-GB" dirty="0"/>
+          </a:p>
+          <a:p>
+            <a:pPr lvl="0"/>
+            <a:endParaRPr lang="en-GB" dirty="0"/>
+          </a:p>
+        </p:txBody>
+      </p:sp>
     </p:spTree>
   </p:cSld>
   <p:clrMapOvr>
@@ -7372,7 +7576,7 @@
 </p:sld>
 </file>
 
-<file path=ppt/slides/slide7.xml><?xml version="1.0" encoding="utf-8"?>
+<file path=ppt/slides/slide8.xml><?xml version="1.0" encoding="utf-8"?>
 <p:sld xmlns:a="http://schemas.openxmlformats.org/drawingml/2006/main" xmlns:r="http://schemas.openxmlformats.org/officeDocument/2006/relationships" xmlns:p="http://schemas.openxmlformats.org/presentationml/2006/main">
   <p:cSld>
     <p:spTree>
@@ -7394,7 +7598,7 @@
           <p:cNvPr id="2" name="Title 1">
             <a:extLst>
               <a:ext uri="{FF2B5EF4-FFF2-40B4-BE49-F238E27FC236}">
-                <a16:creationId xmlns:a16="http://schemas.microsoft.com/office/drawing/2014/main" id="{1E073BEE-8968-1042-A3E7-40484A7A4F4F}"/>
+                <a16:creationId xmlns:a16="http://schemas.microsoft.com/office/drawing/2014/main" id="{BB5AC45F-39D9-4C48-9993-07E37425236F}"/>
               </a:ext>
             </a:extLst>
           </p:cNvPr>
@@ -7412,7 +7616,7 @@
           <a:p>
             <a:r>
               <a:rPr lang="en-US" dirty="0"/>
-              <a:t>Product backlog</a:t>
+              <a:t>Scrum 3</a:t>
             </a:r>
           </a:p>
         </p:txBody>
@@ -7422,7 +7626,7 @@
           <p:cNvPr id="3" name="Text Placeholder 2">
             <a:extLst>
               <a:ext uri="{FF2B5EF4-FFF2-40B4-BE49-F238E27FC236}">
-                <a16:creationId xmlns:a16="http://schemas.microsoft.com/office/drawing/2014/main" id="{2D0CC5C6-1AE2-294D-8710-BC688CF285D2}"/>
+                <a16:creationId xmlns:a16="http://schemas.microsoft.com/office/drawing/2014/main" id="{E3B50C02-9B81-A44F-AE98-5182BAEABEC8}"/>
               </a:ext>
             </a:extLst>
           </p:cNvPr>
@@ -7438,14 +7642,161 @@
           <a:bodyPr/>
           <a:lstStyle/>
           <a:p>
-            <a:endParaRPr lang="en-US"/>
+            <a:r>
+              <a:rPr lang="en-US" dirty="0"/>
+              <a:t>Completed presentation</a:t>
+            </a:r>
+          </a:p>
+          <a:p>
+            <a:r>
+              <a:rPr lang="en-US" dirty="0"/>
+              <a:t>Updated Gantt Chart</a:t>
+            </a:r>
+          </a:p>
+          <a:p>
+            <a:r>
+              <a:rPr lang="en-US" dirty="0"/>
+              <a:t>Updated product backlog</a:t>
+            </a:r>
+          </a:p>
+          <a:p>
+            <a:r>
+              <a:rPr lang="en-US" dirty="0"/>
+              <a:t>Discussed sprint 3</a:t>
+            </a:r>
+          </a:p>
+          <a:p>
+            <a:endParaRPr lang="en-US" dirty="0"/>
+          </a:p>
+          <a:p>
+            <a:endParaRPr lang="en-US" dirty="0"/>
           </a:p>
         </p:txBody>
       </p:sp>
     </p:spTree>
     <p:extLst>
       <p:ext uri="{BB962C8B-B14F-4D97-AF65-F5344CB8AC3E}">
-        <p14:creationId xmlns:p14="http://schemas.microsoft.com/office/powerpoint/2010/main" val="1145194968"/>
+        <p14:creationId xmlns:p14="http://schemas.microsoft.com/office/powerpoint/2010/main" val="2531475535"/>
+      </p:ext>
+    </p:extLst>
+  </p:cSld>
+  <p:clrMapOvr>
+    <a:masterClrMapping/>
+  </p:clrMapOvr>
+  <p:transition spd="med"/>
+</p:sld>
+</file>
+
+<file path=ppt/slides/slide9.xml><?xml version="1.0" encoding="utf-8"?>
+<p:sld xmlns:a="http://schemas.openxmlformats.org/drawingml/2006/main" xmlns:r="http://schemas.openxmlformats.org/officeDocument/2006/relationships" xmlns:p="http://schemas.openxmlformats.org/presentationml/2006/main">
+  <p:cSld>
+    <p:spTree>
+      <p:nvGrpSpPr>
+        <p:cNvPr id="1" name=""/>
+        <p:cNvGrpSpPr/>
+        <p:nvPr/>
+      </p:nvGrpSpPr>
+      <p:grpSpPr>
+        <a:xfrm>
+          <a:off x="0" y="0"/>
+          <a:ext cx="0" cy="0"/>
+          <a:chOff x="0" y="0"/>
+          <a:chExt cx="0" cy="0"/>
+        </a:xfrm>
+      </p:grpSpPr>
+      <p:sp>
+        <p:nvSpPr>
+          <p:cNvPr id="2" name="Title 1">
+            <a:extLst>
+              <a:ext uri="{FF2B5EF4-FFF2-40B4-BE49-F238E27FC236}">
+                <a16:creationId xmlns:a16="http://schemas.microsoft.com/office/drawing/2014/main" id="{5C2D52CB-0441-A449-ACCB-C55D263D409F}"/>
+              </a:ext>
+            </a:extLst>
+          </p:cNvPr>
+          <p:cNvSpPr>
+            <a:spLocks noGrp="1"/>
+          </p:cNvSpPr>
+          <p:nvPr>
+            <p:ph type="title"/>
+          </p:nvPr>
+        </p:nvSpPr>
+        <p:spPr/>
+        <p:txBody>
+          <a:bodyPr/>
+          <a:lstStyle/>
+          <a:p>
+            <a:r>
+              <a:rPr lang="en-US" dirty="0"/>
+              <a:t>Product Backlog</a:t>
+            </a:r>
+          </a:p>
+        </p:txBody>
+      </p:sp>
+      <p:sp>
+        <p:nvSpPr>
+          <p:cNvPr id="4" name="Text Placeholder 2">
+            <a:extLst>
+              <a:ext uri="{FF2B5EF4-FFF2-40B4-BE49-F238E27FC236}">
+                <a16:creationId xmlns:a16="http://schemas.microsoft.com/office/drawing/2014/main" id="{132DD4B0-6D63-254D-A88D-A0A01ABEEBBE}"/>
+              </a:ext>
+            </a:extLst>
+          </p:cNvPr>
+          <p:cNvSpPr>
+            <a:spLocks noGrp="1"/>
+          </p:cNvSpPr>
+          <p:nvPr>
+            <p:ph type="body" idx="1"/>
+          </p:nvPr>
+        </p:nvSpPr>
+        <p:spPr/>
+        <p:txBody>
+          <a:bodyPr/>
+          <a:lstStyle/>
+          <a:p>
+            <a:r>
+              <a:rPr lang="en-US" dirty="0"/>
+              <a:t>Add logo to website</a:t>
+            </a:r>
+          </a:p>
+          <a:p>
+            <a:r>
+              <a:rPr lang="en-US" dirty="0"/>
+              <a:t>Send invoice to customer</a:t>
+            </a:r>
+          </a:p>
+          <a:p>
+            <a:r>
+              <a:rPr lang="en-US" dirty="0"/>
+              <a:t>Add ability to use google maps for location</a:t>
+            </a:r>
+          </a:p>
+          <a:p>
+            <a:r>
+              <a:rPr lang="en-US" dirty="0"/>
+              <a:t>Changing roles</a:t>
+            </a:r>
+          </a:p>
+          <a:p>
+            <a:r>
+              <a:rPr lang="en-US" dirty="0"/>
+              <a:t>Add more admin functionality </a:t>
+            </a:r>
+          </a:p>
+          <a:p>
+            <a:r>
+              <a:rPr lang="en-US" dirty="0"/>
+              <a:t>Assign a requested job to a driver</a:t>
+            </a:r>
+          </a:p>
+          <a:p>
+            <a:endParaRPr lang="en-US" dirty="0"/>
+          </a:p>
+        </p:txBody>
+      </p:sp>
+    </p:spTree>
+    <p:extLst>
+      <p:ext uri="{BB962C8B-B14F-4D97-AF65-F5344CB8AC3E}">
+        <p14:creationId xmlns:p14="http://schemas.microsoft.com/office/powerpoint/2010/main" val="1281712702"/>
       </p:ext>
     </p:extLst>
   </p:cSld>

--- a/Sprint2/Group 10 Sprint_2.pptx
+++ b/Sprint2/Group 10 Sprint_2.pptx
@@ -5849,7 +5849,7 @@
           </a:ln>
           <a:extLst>
             <a:ext uri="{C572A759-6A51-4108-AA02-DFA0A04FC94B}">
-              <ma14:wrappingTextBoxFlag xmlns="" xmlns:m="http://schemas.openxmlformats.org/officeDocument/2006/math" xmlns:a14="http://schemas.microsoft.com/office/drawing/2010/main" xmlns:ma14="http://schemas.microsoft.com/office/mac/drawingml/2011/main" val="1"/>
+              <ma14:wrappingTextBoxFlag xmlns:ma14="http://schemas.microsoft.com/office/mac/drawingml/2011/main" xmlns:a14="http://schemas.microsoft.com/office/drawing/2010/main" xmlns:m="http://schemas.openxmlformats.org/officeDocument/2006/math" xmlns="" val="1"/>
             </a:ext>
           </a:extLst>
         </p:spPr>
@@ -5888,7 +5888,7 @@
           </a:ln>
           <a:extLst>
             <a:ext uri="{C572A759-6A51-4108-AA02-DFA0A04FC94B}">
-              <ma14:wrappingTextBoxFlag xmlns="" xmlns:m="http://schemas.openxmlformats.org/officeDocument/2006/math" xmlns:a14="http://schemas.microsoft.com/office/drawing/2010/main" xmlns:ma14="http://schemas.microsoft.com/office/mac/drawingml/2011/main" val="1"/>
+              <ma14:wrappingTextBoxFlag xmlns:ma14="http://schemas.microsoft.com/office/mac/drawingml/2011/main" xmlns:a14="http://schemas.microsoft.com/office/drawing/2010/main" xmlns:m="http://schemas.openxmlformats.org/officeDocument/2006/math" xmlns="" val="1"/>
             </a:ext>
           </a:extLst>
         </p:spPr>
@@ -7789,6 +7789,13 @@
             </a:r>
           </a:p>
           <a:p>
+            <a:r>
+              <a:rPr lang="en-US"/>
+              <a:t>Fix admin delete user</a:t>
+            </a:r>
+            <a:endParaRPr lang="en-US" dirty="0"/>
+          </a:p>
+          <a:p>
             <a:endParaRPr lang="en-US" dirty="0"/>
           </a:p>
         </p:txBody>

--- a/Sprint2/Group 10 Sprint_2.pptx
+++ b/Sprint2/Group 10 Sprint_2.pptx
@@ -5849,7 +5849,7 @@
           </a:ln>
           <a:extLst>
             <a:ext uri="{C572A759-6A51-4108-AA02-DFA0A04FC94B}">
-              <ma14:wrappingTextBoxFlag xmlns:ma14="http://schemas.microsoft.com/office/mac/drawingml/2011/main" xmlns:a14="http://schemas.microsoft.com/office/drawing/2010/main" xmlns:m="http://schemas.openxmlformats.org/officeDocument/2006/math" xmlns="" val="1"/>
+              <ma14:wrappingTextBoxFlag xmlns="" xmlns:m="http://schemas.openxmlformats.org/officeDocument/2006/math" xmlns:a14="http://schemas.microsoft.com/office/drawing/2010/main" xmlns:ma14="http://schemas.microsoft.com/office/mac/drawingml/2011/main" val="1"/>
             </a:ext>
           </a:extLst>
         </p:spPr>
@@ -5888,7 +5888,7 @@
           </a:ln>
           <a:extLst>
             <a:ext uri="{C572A759-6A51-4108-AA02-DFA0A04FC94B}">
-              <ma14:wrappingTextBoxFlag xmlns:ma14="http://schemas.microsoft.com/office/mac/drawingml/2011/main" xmlns:a14="http://schemas.microsoft.com/office/drawing/2010/main" xmlns:m="http://schemas.openxmlformats.org/officeDocument/2006/math" xmlns="" val="1"/>
+              <ma14:wrappingTextBoxFlag xmlns="" xmlns:m="http://schemas.openxmlformats.org/officeDocument/2006/math" xmlns:a14="http://schemas.microsoft.com/office/drawing/2010/main" xmlns:ma14="http://schemas.microsoft.com/office/mac/drawingml/2011/main" val="1"/>
             </a:ext>
           </a:extLst>
         </p:spPr>
@@ -6887,6 +6887,13 @@
     <a:masterClrMapping/>
   </p:clrMapOvr>
   <p:transition spd="med"/>
+  <p:timing>
+    <p:tnLst>
+      <p:par>
+        <p:cTn id="1" dur="indefinite" restart="never" nodeType="tmRoot"/>
+      </p:par>
+    </p:tnLst>
+  </p:timing>
 </p:sld>
 </file>
 
@@ -7031,6 +7038,13 @@
     <a:masterClrMapping/>
   </p:clrMapOvr>
   <p:transition spd="med"/>
+  <p:timing>
+    <p:tnLst>
+      <p:par>
+        <p:cTn id="1" dur="indefinite" restart="never" nodeType="tmRoot"/>
+      </p:par>
+    </p:tnLst>
+  </p:timing>
 </p:sld>
 </file>
 
@@ -7750,52 +7764,137 @@
         </p:nvSpPr>
         <p:spPr/>
         <p:txBody>
-          <a:bodyPr/>
+          <a:bodyPr>
+            <a:normAutofit/>
+          </a:bodyPr>
           <a:lstStyle/>
           <a:p>
             <a:r>
               <a:rPr lang="en-US" dirty="0"/>
-              <a:t>Add logo to website</a:t>
-            </a:r>
+              <a:t>Add logo to </a:t>
+            </a:r>
+            <a:r>
+              <a:rPr lang="en-US" dirty="0" smtClean="0"/>
+              <a:t>website - </a:t>
+            </a:r>
+            <a:r>
+              <a:rPr lang="en-US" dirty="0" err="1" smtClean="0"/>
+              <a:t>liz</a:t>
+            </a:r>
+            <a:endParaRPr lang="en-US" dirty="0"/>
           </a:p>
           <a:p>
             <a:r>
               <a:rPr lang="en-US" dirty="0"/>
-              <a:t>Send invoice to customer</a:t>
-            </a:r>
+              <a:t>Send invoice to </a:t>
+            </a:r>
+            <a:r>
+              <a:rPr lang="en-US" dirty="0" smtClean="0"/>
+              <a:t>customer – email / on screen – </a:t>
+            </a:r>
+            <a:r>
+              <a:rPr lang="en-US" dirty="0" err="1" smtClean="0"/>
+              <a:t>liz</a:t>
+            </a:r>
+            <a:r>
+              <a:rPr lang="en-US" dirty="0" smtClean="0"/>
+              <a:t> &amp; George – email, </a:t>
+            </a:r>
+            <a:r>
+              <a:rPr lang="en-US" dirty="0" err="1" smtClean="0"/>
+              <a:t>db,register</a:t>
+            </a:r>
+            <a:r>
+              <a:rPr lang="en-US" dirty="0" smtClean="0"/>
+              <a:t>, </a:t>
+            </a:r>
+            <a:r>
+              <a:rPr lang="en-US" dirty="0" err="1" smtClean="0"/>
+              <a:t>customer.jsp</a:t>
+            </a:r>
+            <a:endParaRPr lang="en-US" dirty="0"/>
           </a:p>
           <a:p>
             <a:r>
               <a:rPr lang="en-US" dirty="0"/>
-              <a:t>Add ability to use google maps for location</a:t>
-            </a:r>
-          </a:p>
-          <a:p>
+              <a:t>Add ability to use google maps for </a:t>
+            </a:r>
+            <a:r>
+              <a:rPr lang="en-US" dirty="0" smtClean="0"/>
+              <a:t>location. - all</a:t>
+            </a:r>
+            <a:endParaRPr lang="en-US" dirty="0"/>
+          </a:p>
+          <a:p>
+            <a:r>
+              <a:rPr lang="en-US" dirty="0" smtClean="0"/>
+              <a:t>Assign </a:t>
+            </a:r>
             <a:r>
               <a:rPr lang="en-US" dirty="0"/>
-              <a:t>Changing roles</a:t>
-            </a:r>
+              <a:t>a requested job to a </a:t>
+            </a:r>
+            <a:r>
+              <a:rPr lang="en-US" dirty="0" smtClean="0"/>
+              <a:t>driver - </a:t>
+            </a:r>
+            <a:r>
+              <a:rPr lang="en-US" dirty="0" err="1" smtClean="0"/>
+              <a:t>saph</a:t>
+            </a:r>
+            <a:endParaRPr lang="en-US" dirty="0"/>
           </a:p>
           <a:p>
             <a:r>
               <a:rPr lang="en-US" dirty="0"/>
-              <a:t>Add more admin functionality </a:t>
-            </a:r>
-          </a:p>
-          <a:p>
-            <a:r>
-              <a:rPr lang="en-US" dirty="0"/>
-              <a:t>Assign a requested job to a driver</a:t>
-            </a:r>
-          </a:p>
-          <a:p>
-            <a:r>
-              <a:rPr lang="en-US"/>
-              <a:t>Fix admin delete user</a:t>
+              <a:t>Fix admin delete </a:t>
+            </a:r>
+            <a:r>
+              <a:rPr lang="en-US" dirty="0" smtClean="0"/>
+              <a:t>user – </a:t>
+            </a:r>
+            <a:r>
+              <a:rPr lang="en-US" dirty="0" err="1" smtClean="0"/>
+              <a:t>saph</a:t>
+            </a:r>
+            <a:r>
+              <a:rPr lang="en-US" dirty="0" smtClean="0"/>
+              <a:t>, </a:t>
+            </a:r>
+            <a:r>
+              <a:rPr lang="en-US" dirty="0" err="1" smtClean="0"/>
+              <a:t>george</a:t>
             </a:r>
             <a:endParaRPr lang="en-US" dirty="0"/>
           </a:p>
           <a:p>
+            <a:r>
+              <a:rPr lang="en-US" dirty="0" smtClean="0"/>
+              <a:t>Web services - ? – </a:t>
+            </a:r>
+            <a:r>
+              <a:rPr lang="en-US" dirty="0" err="1" smtClean="0"/>
+              <a:t>rhys</a:t>
+            </a:r>
+            <a:r>
+              <a:rPr lang="en-US" dirty="0" smtClean="0"/>
+              <a:t> </a:t>
+            </a:r>
+            <a:r>
+              <a:rPr lang="en-US" dirty="0" err="1" smtClean="0"/>
+              <a:t>jeniel</a:t>
+            </a:r>
+            <a:endParaRPr lang="en-US" dirty="0" smtClean="0"/>
+          </a:p>
+          <a:p>
+            <a:r>
+              <a:rPr lang="en-US" dirty="0" smtClean="0"/>
+              <a:t>Uploading all documents to blackboard when finished. - </a:t>
+            </a:r>
+            <a:r>
+              <a:rPr lang="en-US" dirty="0" err="1" smtClean="0"/>
+              <a:t>rhys</a:t>
+            </a:r>
             <a:endParaRPr lang="en-US" dirty="0"/>
           </a:p>
         </p:txBody>
